--- a/document/讲义（ppt）/访问控制.pptx
+++ b/document/讲义（ppt）/访问控制.pptx
@@ -12,8 +12,10 @@
     <p:sldId id="260" r:id="rId7"/>
     <p:sldId id="261" r:id="rId8"/>
     <p:sldId id="262" r:id="rId9"/>
-    <p:sldId id="263" r:id="rId10"/>
-    <p:sldId id="264" r:id="rId11"/>
+    <p:sldId id="266" r:id="rId10"/>
+    <p:sldId id="267" r:id="rId11"/>
+    <p:sldId id="263" r:id="rId12"/>
+    <p:sldId id="264" r:id="rId13"/>
   </p:sldIdLst>
   <p:sldSz cx="12192000" cy="6858000"/>
   <p:notesSz cx="6858000" cy="9144000"/>
@@ -5876,6 +5878,270 @@
           <a:lstStyle/>
           <a:p>
             <a:endParaRPr lang="zh-CN" altLang="en-US" dirty="0"/>
+          </a:p>
+        </p:txBody>
+      </p:sp>
+    </p:spTree>
+  </p:cSld>
+  <p:clrMapOvr>
+    <a:masterClrMapping/>
+  </p:clrMapOvr>
+</p:sld>
+</file>
+
+<file path=ppt/slides/slide10.xml><?xml version="1.0" encoding="utf-8"?>
+<p:sld xmlns:a="http://schemas.openxmlformats.org/drawingml/2006/main" xmlns:r="http://schemas.openxmlformats.org/officeDocument/2006/relationships" xmlns:p="http://schemas.openxmlformats.org/presentationml/2006/main">
+  <p:cSld>
+    <p:spTree>
+      <p:nvGrpSpPr>
+        <p:cNvPr id="1" name=""/>
+        <p:cNvGrpSpPr/>
+        <p:nvPr/>
+      </p:nvGrpSpPr>
+      <p:grpSpPr>
+        <a:xfrm>
+          <a:off x="0" y="0"/>
+          <a:ext cx="0" cy="0"/>
+          <a:chOff x="0" y="0"/>
+          <a:chExt cx="0" cy="0"/>
+        </a:xfrm>
+      </p:grpSpPr>
+      <p:sp>
+        <p:nvSpPr>
+          <p:cNvPr id="2" name="标题 1"/>
+          <p:cNvSpPr>
+            <a:spLocks noGrp="1"/>
+          </p:cNvSpPr>
+          <p:nvPr>
+            <p:ph type="title"/>
+          </p:nvPr>
+        </p:nvSpPr>
+        <p:spPr>
+          <a:xfrm>
+            <a:off x="1295402" y="982133"/>
+            <a:ext cx="9601196" cy="527072"/>
+          </a:xfrm>
+        </p:spPr>
+        <p:txBody>
+          <a:bodyPr>
+            <a:normAutofit fontScale="90000"/>
+          </a:bodyPr>
+          <a:lstStyle/>
+          <a:p>
+            <a:r>
+              <a:rPr lang="zh-CN" altLang="en-US" dirty="0">
+                <a:latin typeface="宋体" panose="02010600030101010101" pitchFamily="2" charset="-122"/>
+                <a:ea typeface="宋体" panose="02010600030101010101" pitchFamily="2" charset="-122"/>
+              </a:rPr>
+              <a:t>项目需求分析</a:t>
+            </a:r>
+            <a:endParaRPr lang="zh-CN" altLang="en-US" dirty="0">
+              <a:latin typeface="宋体" panose="02010600030101010101" pitchFamily="2" charset="-122"/>
+              <a:ea typeface="宋体" panose="02010600030101010101" pitchFamily="2" charset="-122"/>
+            </a:endParaRPr>
+          </a:p>
+        </p:txBody>
+      </p:sp>
+      <p:sp>
+        <p:nvSpPr>
+          <p:cNvPr id="5" name="文本框 4"/>
+          <p:cNvSpPr txBox="1"/>
+          <p:nvPr/>
+        </p:nvSpPr>
+        <p:spPr>
+          <a:xfrm>
+            <a:off x="986532" y="2518672"/>
+            <a:ext cx="10218935" cy="307777"/>
+          </a:xfrm>
+          <a:prstGeom prst="rect">
+            <a:avLst/>
+          </a:prstGeom>
+          <a:noFill/>
+        </p:spPr>
+        <p:txBody>
+          <a:bodyPr wrap="square">
+            <a:spAutoFit/>
+          </a:bodyPr>
+          <a:lstStyle/>
+          <a:p>
+            <a:pPr algn="l"/>
+            <a:r>
+              <a:rPr lang="en-US" altLang="zh-CN" sz="1400" dirty="0"/>
+              <a:t>bb</a:t>
+            </a:r>
+            <a:endParaRPr lang="zh-CN" altLang="en-US" sz="1400" dirty="0"/>
+          </a:p>
+        </p:txBody>
+      </p:sp>
+      <p:pic>
+        <p:nvPicPr>
+          <p:cNvPr id="6" name="图片 5"/>
+          <p:cNvPicPr>
+            <a:picLocks noChangeAspect="1"/>
+          </p:cNvPicPr>
+          <p:nvPr/>
+        </p:nvPicPr>
+        <p:blipFill>
+          <a:blip r:embed="rId1"/>
+          <a:stretch>
+            <a:fillRect/>
+          </a:stretch>
+        </p:blipFill>
+        <p:spPr>
+          <a:xfrm>
+            <a:off x="895908" y="1731146"/>
+            <a:ext cx="10218935" cy="4258396"/>
+          </a:xfrm>
+          <a:prstGeom prst="rect">
+            <a:avLst/>
+          </a:prstGeom>
+        </p:spPr>
+      </p:pic>
+    </p:spTree>
+  </p:cSld>
+  <p:clrMapOvr>
+    <a:masterClrMapping/>
+  </p:clrMapOvr>
+</p:sld>
+</file>
+
+<file path=ppt/slides/slide11.xml><?xml version="1.0" encoding="utf-8"?>
+<p:sld xmlns:a="http://schemas.openxmlformats.org/drawingml/2006/main" xmlns:r="http://schemas.openxmlformats.org/officeDocument/2006/relationships" xmlns:p="http://schemas.openxmlformats.org/presentationml/2006/main">
+  <p:cSld>
+    <p:spTree>
+      <p:nvGrpSpPr>
+        <p:cNvPr id="1" name=""/>
+        <p:cNvGrpSpPr/>
+        <p:nvPr/>
+      </p:nvGrpSpPr>
+      <p:grpSpPr>
+        <a:xfrm>
+          <a:off x="0" y="0"/>
+          <a:ext cx="0" cy="0"/>
+          <a:chOff x="0" y="0"/>
+          <a:chExt cx="0" cy="0"/>
+        </a:xfrm>
+      </p:grpSpPr>
+      <p:sp>
+        <p:nvSpPr>
+          <p:cNvPr id="2" name="标题 1"/>
+          <p:cNvSpPr>
+            <a:spLocks noGrp="1"/>
+          </p:cNvSpPr>
+          <p:nvPr>
+            <p:ph type="title"/>
+          </p:nvPr>
+        </p:nvSpPr>
+        <p:spPr>
+          <a:xfrm>
+            <a:off x="1295402" y="982133"/>
+            <a:ext cx="9601196" cy="527072"/>
+          </a:xfrm>
+        </p:spPr>
+        <p:txBody>
+          <a:bodyPr>
+            <a:normAutofit fontScale="90000"/>
+          </a:bodyPr>
+          <a:lstStyle/>
+          <a:p>
+            <a:r>
+              <a:rPr lang="zh-CN" altLang="en-US" dirty="0">
+                <a:latin typeface="宋体" panose="02010600030101010101" pitchFamily="2" charset="-122"/>
+                <a:ea typeface="宋体" panose="02010600030101010101" pitchFamily="2" charset="-122"/>
+              </a:rPr>
+              <a:t>访问控制机制伸缩性</a:t>
+            </a:r>
+            <a:endParaRPr lang="zh-CN" altLang="en-US" dirty="0">
+              <a:latin typeface="宋体" panose="02010600030101010101" pitchFamily="2" charset="-122"/>
+              <a:ea typeface="宋体" panose="02010600030101010101" pitchFamily="2" charset="-122"/>
+            </a:endParaRPr>
+          </a:p>
+        </p:txBody>
+      </p:sp>
+      <p:sp>
+        <p:nvSpPr>
+          <p:cNvPr id="5" name="文本框 4"/>
+          <p:cNvSpPr txBox="1"/>
+          <p:nvPr/>
+        </p:nvSpPr>
+        <p:spPr>
+          <a:xfrm>
+            <a:off x="2244090" y="3246755"/>
+            <a:ext cx="8583930" cy="1476375"/>
+          </a:xfrm>
+          <a:prstGeom prst="rect">
+            <a:avLst/>
+          </a:prstGeom>
+          <a:noFill/>
+        </p:spPr>
+        <p:txBody>
+          <a:bodyPr wrap="square">
+            <a:spAutoFit/>
+          </a:bodyPr>
+          <a:lstStyle/>
+          <a:p>
+            <a:pPr marL="285750" indent="-285750" algn="l">
+              <a:buFont typeface="Arial" panose="020B0604020202020204" pitchFamily="34" charset="0"/>
+              <a:buChar char="•"/>
+            </a:pPr>
+            <a:r>
+              <a:rPr lang="en-US" altLang="zh-CN" dirty="0" err="1"/>
+              <a:t>MicroService(https://github.com/baiyuqi/BookStoreApp-Distributed-Application.git)</a:t>
+            </a:r>
+            <a:endParaRPr lang="en-US" altLang="zh-CN" dirty="0"/>
+          </a:p>
+          <a:p>
+            <a:pPr marL="285750" indent="-285750" algn="l">
+              <a:buFont typeface="Arial" panose="020B0604020202020204" pitchFamily="34" charset="0"/>
+              <a:buChar char="•"/>
+            </a:pPr>
+            <a:r>
+              <a:rPr lang="en-US" altLang="zh-CN" dirty="0"/>
+              <a:t>OAuth2</a:t>
+            </a:r>
+            <a:r>
+              <a:rPr lang="zh-CN" altLang="en-US" dirty="0">
+                <a:latin typeface="仿宋" panose="02010609060101010101" charset="-122"/>
+                <a:ea typeface="仿宋" panose="02010609060101010101" charset="-122"/>
+              </a:rPr>
+              <a:t>（第三方登录授权协议，为什么用到内部应用？）</a:t>
+            </a:r>
+            <a:endParaRPr lang="en-US" altLang="zh-CN" dirty="0"/>
+          </a:p>
+          <a:p>
+            <a:pPr marL="285750" indent="-285750" algn="l">
+              <a:buFont typeface="Arial" panose="020B0604020202020204" pitchFamily="34" charset="0"/>
+              <a:buChar char="•"/>
+            </a:pPr>
+            <a:r>
+              <a:rPr lang="en-US" altLang="zh-CN" dirty="0" err="1"/>
+              <a:t>Jwt(https://datatracker.ietf.org/doc/html/rfc7519)</a:t>
+            </a:r>
+            <a:endParaRPr lang="en-US" altLang="zh-CN" dirty="0"/>
+          </a:p>
+          <a:p>
+            <a:pPr marL="285750" indent="-285750" algn="l">
+              <a:buFont typeface="Arial" panose="020B0604020202020204" pitchFamily="34" charset="0"/>
+              <a:buChar char="•"/>
+            </a:pPr>
+            <a:endParaRPr lang="en-US" altLang="zh-CN" dirty="0">
+              <a:latin typeface="宋体" panose="02010600030101010101" pitchFamily="2" charset="-122"/>
+              <a:ea typeface="宋体" panose="02010600030101010101" pitchFamily="2" charset="-122"/>
+            </a:endParaRPr>
+          </a:p>
+          <a:p>
+            <a:pPr algn="l"/>
+            <a:r>
+              <a:rPr lang="zh-CN" altLang="en-US" dirty="0">
+                <a:latin typeface="宋体" panose="02010600030101010101" pitchFamily="2" charset="-122"/>
+                <a:ea typeface="宋体" panose="02010600030101010101" pitchFamily="2" charset="-122"/>
+              </a:rPr>
+              <a:t>实训课内容</a:t>
+            </a:r>
+            <a:endParaRPr lang="zh-CN" altLang="en-US" dirty="0">
+              <a:latin typeface="宋体" panose="02010600030101010101" pitchFamily="2" charset="-122"/>
+              <a:ea typeface="宋体" panose="02010600030101010101" pitchFamily="2" charset="-122"/>
+            </a:endParaRPr>
           </a:p>
         </p:txBody>
       </p:sp>
@@ -10237,14 +10503,7 @@
         <p:cNvGrpSpPr/>
         <p:nvPr/>
       </p:nvGrpSpPr>
-      <p:grpSpPr>
-        <a:xfrm>
-          <a:off x="0" y="0"/>
-          <a:ext cx="0" cy="0"/>
-          <a:chOff x="0" y="0"/>
-          <a:chExt cx="0" cy="0"/>
-        </a:xfrm>
-      </p:grpSpPr>
+      <p:grpSpPr/>
       <p:sp>
         <p:nvSpPr>
           <p:cNvPr id="2" name="标题 1"/>
@@ -10255,87 +10514,159 @@
             <p:ph type="title"/>
           </p:nvPr>
         </p:nvSpPr>
-        <p:spPr>
-          <a:xfrm>
-            <a:off x="1295402" y="982133"/>
-            <a:ext cx="9601196" cy="527072"/>
-          </a:xfrm>
-        </p:spPr>
-        <p:txBody>
-          <a:bodyPr>
-            <a:normAutofit fontScale="90000"/>
-          </a:bodyPr>
-          <a:lstStyle/>
-          <a:p>
-            <a:r>
-              <a:rPr lang="zh-CN" altLang="en-US" dirty="0">
+        <p:spPr/>
+        <p:txBody>
+          <a:bodyPr/>
+          <a:p>
+            <a:r>
+              <a:rPr lang="zh-CN" altLang="en-US">
                 <a:latin typeface="宋体" panose="02010600030101010101" pitchFamily="2" charset="-122"/>
                 <a:ea typeface="宋体" panose="02010600030101010101" pitchFamily="2" charset="-122"/>
-              </a:rPr>
-              <a:t>项目需求分析</a:t>
-            </a:r>
-            <a:endParaRPr lang="zh-CN" altLang="en-US" dirty="0">
+                <a:cs typeface="宋体" panose="02010600030101010101" pitchFamily="2" charset="-122"/>
+              </a:rPr>
+              <a:t>应用与</a:t>
+            </a:r>
+            <a:r>
+              <a:rPr lang="en-US" altLang="zh-CN">
+                <a:latin typeface="宋体" panose="02010600030101010101" pitchFamily="2" charset="-122"/>
+                <a:ea typeface="宋体" panose="02010600030101010101" pitchFamily="2" charset="-122"/>
+                <a:cs typeface="宋体" panose="02010600030101010101" pitchFamily="2" charset="-122"/>
+              </a:rPr>
+              <a:t>SpringSecurity</a:t>
+            </a:r>
+            <a:r>
+              <a:rPr lang="zh-CN" altLang="en-US">
+                <a:latin typeface="宋体" panose="02010600030101010101" pitchFamily="2" charset="-122"/>
+                <a:ea typeface="宋体" panose="02010600030101010101" pitchFamily="2" charset="-122"/>
+                <a:cs typeface="宋体" panose="02010600030101010101" pitchFamily="2" charset="-122"/>
+              </a:rPr>
+              <a:t>的集成</a:t>
+            </a:r>
+            <a:endParaRPr lang="zh-CN" altLang="en-US">
+              <a:latin typeface="宋体" panose="02010600030101010101" pitchFamily="2" charset="-122"/>
+              <a:ea typeface="宋体" panose="02010600030101010101" pitchFamily="2" charset="-122"/>
+              <a:cs typeface="宋体" panose="02010600030101010101" pitchFamily="2" charset="-122"/>
+            </a:endParaRPr>
+          </a:p>
+        </p:txBody>
+      </p:sp>
+      <p:sp>
+        <p:nvSpPr>
+          <p:cNvPr id="3" name="内容占位符 2"/>
+          <p:cNvSpPr>
+            <a:spLocks noGrp="1"/>
+          </p:cNvSpPr>
+          <p:nvPr>
+            <p:ph idx="1"/>
+          </p:nvPr>
+        </p:nvSpPr>
+        <p:spPr/>
+        <p:txBody>
+          <a:bodyPr/>
+          <a:p>
+            <a:r>
+              <a:rPr lang="zh-CN" altLang="en-US">
+                <a:latin typeface="宋体" panose="02010600030101010101" pitchFamily="2" charset="-122"/>
+                <a:ea typeface="宋体" panose="02010600030101010101" pitchFamily="2" charset="-122"/>
+              </a:rPr>
+              <a:t>配置：</a:t>
+            </a:r>
+            <a:r>
+              <a:rPr lang="zh-CN" altLang="en-US" sz="1600">
+                <a:solidFill>
+                  <a:srgbClr val="00B0F0"/>
+                </a:solidFill>
+                <a:latin typeface="宋体" panose="02010600030101010101" pitchFamily="2" charset="-122"/>
+                <a:ea typeface="宋体" panose="02010600030101010101" pitchFamily="2" charset="-122"/>
+              </a:rPr>
+              <a:t>public class </a:t>
+            </a:r>
+            <a:r>
+              <a:rPr lang="zh-CN" altLang="en-US" sz="1600">
+                <a:latin typeface="宋体" panose="02010600030101010101" pitchFamily="2" charset="-122"/>
+                <a:ea typeface="宋体" panose="02010600030101010101" pitchFamily="2" charset="-122"/>
+              </a:rPr>
+              <a:t>WebSecurityConfig </a:t>
+            </a:r>
+            <a:r>
+              <a:rPr lang="zh-CN" altLang="en-US" sz="1600">
+                <a:solidFill>
+                  <a:srgbClr val="00B0F0"/>
+                </a:solidFill>
+                <a:latin typeface="宋体" panose="02010600030101010101" pitchFamily="2" charset="-122"/>
+                <a:ea typeface="宋体" panose="02010600030101010101" pitchFamily="2" charset="-122"/>
+              </a:rPr>
+              <a:t>extends </a:t>
+            </a:r>
+            <a:r>
+              <a:rPr lang="zh-CN" altLang="en-US" sz="1600">
+                <a:latin typeface="宋体" panose="02010600030101010101" pitchFamily="2" charset="-122"/>
+                <a:ea typeface="宋体" panose="02010600030101010101" pitchFamily="2" charset="-122"/>
+              </a:rPr>
+              <a:t>WebSecurityConfigurerAdapter</a:t>
+            </a:r>
+            <a:endParaRPr lang="zh-CN" altLang="en-US" sz="1600">
               <a:latin typeface="宋体" panose="02010600030101010101" pitchFamily="2" charset="-122"/>
               <a:ea typeface="宋体" panose="02010600030101010101" pitchFamily="2" charset="-122"/>
             </a:endParaRPr>
           </a:p>
-        </p:txBody>
-      </p:sp>
-      <p:sp>
-        <p:nvSpPr>
-          <p:cNvPr id="5" name="文本框 4"/>
-          <p:cNvSpPr txBox="1"/>
-          <p:nvPr/>
-        </p:nvSpPr>
-        <p:spPr>
-          <a:xfrm>
-            <a:off x="986532" y="2518672"/>
-            <a:ext cx="10218935" cy="307777"/>
-          </a:xfrm>
-          <a:prstGeom prst="rect">
-            <a:avLst/>
-          </a:prstGeom>
-          <a:noFill/>
-        </p:spPr>
-        <p:txBody>
-          <a:bodyPr wrap="square">
-            <a:spAutoFit/>
-          </a:bodyPr>
-          <a:lstStyle/>
-          <a:p>
-            <a:pPr algn="l"/>
-            <a:r>
-              <a:rPr lang="en-US" altLang="zh-CN" sz="1400" dirty="0"/>
-              <a:t>bb</a:t>
-            </a:r>
-            <a:endParaRPr lang="zh-CN" altLang="en-US" sz="1400" dirty="0"/>
-          </a:p>
-        </p:txBody>
-      </p:sp>
-      <p:pic>
-        <p:nvPicPr>
-          <p:cNvPr id="6" name="图片 5"/>
-          <p:cNvPicPr>
-            <a:picLocks noChangeAspect="1"/>
-          </p:cNvPicPr>
-          <p:nvPr/>
-        </p:nvPicPr>
-        <p:blipFill>
-          <a:blip r:embed="rId1"/>
-          <a:stretch>
-            <a:fillRect/>
-          </a:stretch>
-        </p:blipFill>
-        <p:spPr>
-          <a:xfrm>
-            <a:off x="895908" y="1731146"/>
-            <a:ext cx="10218935" cy="4258396"/>
-          </a:xfrm>
-          <a:prstGeom prst="rect">
-            <a:avLst/>
-          </a:prstGeom>
-        </p:spPr>
-      </p:pic>
+          <a:p>
+            <a:r>
+              <a:rPr lang="zh-CN" altLang="en-US">
+                <a:latin typeface="宋体" panose="02010600030101010101" pitchFamily="2" charset="-122"/>
+                <a:ea typeface="宋体" panose="02010600030101010101" pitchFamily="2" charset="-122"/>
+              </a:rPr>
+              <a:t>应用与引擎的连接</a:t>
+            </a:r>
+            <a:r>
+              <a:rPr lang="zh-CN" altLang="en-US" sz="1600">
+                <a:latin typeface="宋体" panose="02010600030101010101" pitchFamily="2" charset="-122"/>
+                <a:ea typeface="宋体" panose="02010600030101010101" pitchFamily="2" charset="-122"/>
+              </a:rPr>
+              <a:t>：UserDetailsService</a:t>
+            </a:r>
+            <a:endParaRPr lang="zh-CN" altLang="en-US" sz="1600">
+              <a:latin typeface="宋体" panose="02010600030101010101" pitchFamily="2" charset="-122"/>
+              <a:ea typeface="宋体" panose="02010600030101010101" pitchFamily="2" charset="-122"/>
+            </a:endParaRPr>
+          </a:p>
+          <a:p>
+            <a:r>
+              <a:rPr lang="zh-CN" altLang="en-US" sz="1800">
+                <a:latin typeface="宋体" panose="02010600030101010101" pitchFamily="2" charset="-122"/>
+                <a:ea typeface="宋体" panose="02010600030101010101" pitchFamily="2" charset="-122"/>
+              </a:rPr>
+              <a:t>org.springframework.security.core.userdetails.User</a:t>
+            </a:r>
+            <a:endParaRPr lang="zh-CN" altLang="en-US" sz="1800">
+              <a:latin typeface="宋体" panose="02010600030101010101" pitchFamily="2" charset="-122"/>
+              <a:ea typeface="宋体" panose="02010600030101010101" pitchFamily="2" charset="-122"/>
+            </a:endParaRPr>
+          </a:p>
+          <a:p>
+            <a:r>
+              <a:rPr lang="zh-CN" altLang="en-US" sz="1800">
+                <a:latin typeface="宋体" panose="02010600030101010101" pitchFamily="2" charset="-122"/>
+                <a:ea typeface="宋体" panose="02010600030101010101" pitchFamily="2" charset="-122"/>
+              </a:rPr>
+              <a:t>SimpleGrantedAuthority</a:t>
+            </a:r>
+            <a:endParaRPr lang="zh-CN" altLang="en-US" sz="1800">
+              <a:latin typeface="宋体" panose="02010600030101010101" pitchFamily="2" charset="-122"/>
+              <a:ea typeface="宋体" panose="02010600030101010101" pitchFamily="2" charset="-122"/>
+            </a:endParaRPr>
+          </a:p>
+          <a:p>
+            <a:pPr marL="0" indent="0">
+              <a:buNone/>
+            </a:pPr>
+            <a:endParaRPr lang="zh-CN" altLang="en-US" sz="1800">
+              <a:latin typeface="宋体" panose="02010600030101010101" pitchFamily="2" charset="-122"/>
+              <a:ea typeface="宋体" panose="02010600030101010101" pitchFamily="2" charset="-122"/>
+            </a:endParaRPr>
+          </a:p>
+        </p:txBody>
+      </p:sp>
     </p:spTree>
   </p:cSld>
   <p:clrMapOvr>
@@ -10353,137 +10684,56 @@
         <p:cNvGrpSpPr/>
         <p:nvPr/>
       </p:nvGrpSpPr>
-      <p:grpSpPr>
-        <a:xfrm>
-          <a:off x="0" y="0"/>
-          <a:ext cx="0" cy="0"/>
-          <a:chOff x="0" y="0"/>
-          <a:chExt cx="0" cy="0"/>
-        </a:xfrm>
-      </p:grpSpPr>
-      <p:sp>
-        <p:nvSpPr>
-          <p:cNvPr id="2" name="标题 1"/>
-          <p:cNvSpPr>
-            <a:spLocks noGrp="1"/>
-          </p:cNvSpPr>
-          <p:nvPr>
-            <p:ph type="title"/>
-          </p:nvPr>
-        </p:nvSpPr>
-        <p:spPr>
-          <a:xfrm>
-            <a:off x="1295402" y="982133"/>
-            <a:ext cx="9601196" cy="527072"/>
-          </a:xfrm>
-        </p:spPr>
-        <p:txBody>
-          <a:bodyPr>
-            <a:normAutofit fontScale="90000"/>
-          </a:bodyPr>
-          <a:lstStyle/>
-          <a:p>
-            <a:r>
-              <a:rPr lang="zh-CN" altLang="en-US" dirty="0">
-                <a:latin typeface="宋体" panose="02010600030101010101" pitchFamily="2" charset="-122"/>
-                <a:ea typeface="宋体" panose="02010600030101010101" pitchFamily="2" charset="-122"/>
-              </a:rPr>
-              <a:t>访问控制机制伸缩性</a:t>
-            </a:r>
-            <a:endParaRPr lang="zh-CN" altLang="en-US" dirty="0">
-              <a:latin typeface="宋体" panose="02010600030101010101" pitchFamily="2" charset="-122"/>
-              <a:ea typeface="宋体" panose="02010600030101010101" pitchFamily="2" charset="-122"/>
-            </a:endParaRPr>
-          </a:p>
-        </p:txBody>
-      </p:sp>
-      <p:sp>
-        <p:nvSpPr>
-          <p:cNvPr id="5" name="文本框 4"/>
-          <p:cNvSpPr txBox="1"/>
+      <p:grpSpPr/>
+      <p:graphicFrame>
+        <p:nvGraphicFramePr>
+          <p:cNvPr id="6" name="对象 5"/>
+          <p:cNvGraphicFramePr/>
           <p:nvPr/>
-        </p:nvSpPr>
-        <p:spPr>
-          <a:xfrm>
-            <a:off x="2244090" y="3246755"/>
-            <a:ext cx="8583930" cy="1476375"/>
-          </a:xfrm>
-          <a:prstGeom prst="rect">
-            <a:avLst/>
-          </a:prstGeom>
-          <a:noFill/>
-        </p:spPr>
-        <p:txBody>
-          <a:bodyPr wrap="square">
-            <a:spAutoFit/>
-          </a:bodyPr>
-          <a:lstStyle/>
-          <a:p>
-            <a:pPr marL="285750" indent="-285750" algn="l">
-              <a:buFont typeface="Arial" panose="020B0604020202020204" pitchFamily="34" charset="0"/>
-              <a:buChar char="•"/>
-            </a:pPr>
-            <a:r>
-              <a:rPr lang="en-US" altLang="zh-CN" dirty="0" err="1"/>
-              <a:t>MicroService(https://github.com/baiyuqi/BookStoreApp-Distributed-Application.git)</a:t>
-            </a:r>
-            <a:endParaRPr lang="en-US" altLang="zh-CN" dirty="0"/>
-          </a:p>
-          <a:p>
-            <a:pPr marL="285750" indent="-285750" algn="l">
-              <a:buFont typeface="Arial" panose="020B0604020202020204" pitchFamily="34" charset="0"/>
-              <a:buChar char="•"/>
-            </a:pPr>
-            <a:r>
-              <a:rPr lang="en-US" altLang="zh-CN" dirty="0"/>
-              <a:t>OAuth2</a:t>
-            </a:r>
-            <a:r>
-              <a:rPr lang="zh-CN" altLang="en-US" dirty="0">
-                <a:latin typeface="仿宋" panose="02010609060101010101" charset="-122"/>
-                <a:ea typeface="仿宋" panose="02010609060101010101" charset="-122"/>
-              </a:rPr>
-              <a:t>（第三方登录授权协议，为什么用到内部应用？）</a:t>
-            </a:r>
-            <a:endParaRPr lang="en-US" altLang="zh-CN" dirty="0"/>
-          </a:p>
-          <a:p>
-            <a:pPr marL="285750" indent="-285750" algn="l">
-              <a:buFont typeface="Arial" panose="020B0604020202020204" pitchFamily="34" charset="0"/>
-              <a:buChar char="•"/>
-            </a:pPr>
-            <a:r>
-              <a:rPr lang="en-US" altLang="zh-CN" dirty="0" err="1"/>
-              <a:t>Jwt(https://datatracker.ietf.org/doc/html/rfc7519)</a:t>
-            </a:r>
-            <a:endParaRPr lang="en-US" altLang="zh-CN" dirty="0"/>
-          </a:p>
-          <a:p>
-            <a:pPr marL="285750" indent="-285750" algn="l">
-              <a:buFont typeface="Arial" panose="020B0604020202020204" pitchFamily="34" charset="0"/>
-              <a:buChar char="•"/>
-            </a:pPr>
-            <a:endParaRPr lang="en-US" altLang="zh-CN" dirty="0">
-              <a:latin typeface="宋体" panose="02010600030101010101" pitchFamily="2" charset="-122"/>
-              <a:ea typeface="宋体" panose="02010600030101010101" pitchFamily="2" charset="-122"/>
-            </a:endParaRPr>
-          </a:p>
-          <a:p>
-            <a:pPr algn="l"/>
-            <a:r>
-              <a:rPr lang="zh-CN" altLang="en-US" dirty="0">
-                <a:latin typeface="宋体" panose="02010600030101010101" pitchFamily="2" charset="-122"/>
-                <a:ea typeface="宋体" panose="02010600030101010101" pitchFamily="2" charset="-122"/>
-              </a:rPr>
-              <a:t>实训课内容</a:t>
-            </a:r>
-            <a:endParaRPr lang="zh-CN" altLang="en-US" dirty="0">
-              <a:latin typeface="宋体" panose="02010600030101010101" pitchFamily="2" charset="-122"/>
-              <a:ea typeface="宋体" panose="02010600030101010101" pitchFamily="2" charset="-122"/>
-            </a:endParaRPr>
-          </a:p>
-        </p:txBody>
-      </p:sp>
+        </p:nvGraphicFramePr>
+        <p:xfrm>
+          <a:off x="1059180" y="923925"/>
+          <a:ext cx="10094595" cy="5010150"/>
+        </p:xfrm>
+        <a:graphic>
+          <a:graphicData uri="http://schemas.openxmlformats.org/presentationml/2006/ole">
+            <mc:AlternateContent xmlns:mc="http://schemas.openxmlformats.org/markup-compatibility/2006">
+              <mc:Choice xmlns:v="urn:schemas-microsoft-com:vml" Requires="v">
+                <p:oleObj spid="_x0000_s7" name="" r:id="rId1" imgW="7147560" imgH="5006340" progId="Paint.Picture">
+                  <p:embed/>
+                </p:oleObj>
+              </mc:Choice>
+              <mc:Fallback>
+                <p:oleObj name="" r:id="rId1" imgW="7147560" imgH="5006340" progId="Paint.Picture">
+                  <p:embed/>
+                  <p:pic>
+                    <p:nvPicPr>
+                      <p:cNvPr id="0" name="图片 6"/>
+                      <p:cNvPicPr/>
+                      <p:nvPr/>
+                    </p:nvPicPr>
+                    <p:blipFill>
+                      <a:blip r:embed="rId2"/>
+                      <a:stretch>
+                        <a:fillRect/>
+                      </a:stretch>
+                    </p:blipFill>
+                    <p:spPr>
+                      <a:xfrm>
+                        <a:off x="1059180" y="923925"/>
+                        <a:ext cx="10094595" cy="5010150"/>
+                      </a:xfrm>
+                      <a:prstGeom prst="rect">
+                        <a:avLst/>
+                      </a:prstGeom>
+                    </p:spPr>
+                  </p:pic>
+                </p:oleObj>
+              </mc:Fallback>
+            </mc:AlternateContent>
+          </a:graphicData>
+        </a:graphic>
+      </p:graphicFrame>
     </p:spTree>
   </p:cSld>
   <p:clrMapOvr>

--- a/document/讲义（ppt）/访问控制.pptx
+++ b/document/讲义（ppt）/访问控制.pptx
@@ -8750,8 +8750,8 @@
         </p:blipFill>
         <p:spPr>
           <a:xfrm>
-            <a:off x="6437649" y="2619116"/>
-            <a:ext cx="4243833" cy="2734119"/>
+            <a:off x="6437630" y="2619375"/>
+            <a:ext cx="4243705" cy="2830195"/>
           </a:xfrm>
           <a:prstGeom prst="rect">
             <a:avLst/>
